--- a/FVisual_Documentation/Präsentationen/FVisual Zwischenpräsentation_1_POS_DBI.pptx
+++ b/FVisual_Documentation/Präsentationen/FVisual Zwischenpräsentation_1_POS_DBI.pptx
@@ -8292,6 +8292,14 @@
           <a:p>
             <a:r>
               <a:rPr lang="de-DE" dirty="0" err="1"/>
+              <a:t>Iterations</a:t>
+            </a:r>
+            <a:r>
+              <a:rPr lang="de-DE" dirty="0"/>
+              <a:t> Review: </a:t>
+            </a:r>
+            <a:r>
+              <a:rPr lang="de-DE" dirty="0" err="1"/>
               <a:t>FVisual</a:t>
             </a:r>
             <a:br>
@@ -9243,12 +9251,49 @@
           </a:p>
         </p:txBody>
       </p:sp>
+      <p:sp>
+        <p:nvSpPr>
+          <p:cNvPr id="8" name="Footer Placeholder 7">
+            <a:extLst>
+              <a:ext uri="{FF2B5EF4-FFF2-40B4-BE49-F238E27FC236}">
+                <a16:creationId xmlns:a16="http://schemas.microsoft.com/office/drawing/2014/main" id="{27877730-AF3F-464D-A23B-5C5CE743BDDB}"/>
+              </a:ext>
+            </a:extLst>
+          </p:cNvPr>
+          <p:cNvSpPr>
+            <a:spLocks noGrp="1"/>
+          </p:cNvSpPr>
+          <p:nvPr>
+            <p:ph type="ftr" sz="quarter" idx="11"/>
+          </p:nvPr>
+        </p:nvSpPr>
+        <p:spPr>
+          <a:xfrm>
+            <a:off x="181557" y="6301312"/>
+            <a:ext cx="6870660" cy="365125"/>
+          </a:xfrm>
+        </p:spPr>
+        <p:txBody>
+          <a:bodyPr/>
+          <a:lstStyle/>
+          <a:p>
+            <a:r>
+              <a:rPr lang="de-AT" dirty="0" err="1"/>
+              <a:t>FVisual</a:t>
+            </a:r>
+            <a:r>
+              <a:rPr lang="de-AT" dirty="0"/>
+              <a:t> - 5AHIF | ASS, DRA, GRF, THC</a:t>
+            </a:r>
+          </a:p>
+        </p:txBody>
+      </p:sp>
       <p:pic>
         <p:nvPicPr>
-          <p:cNvPr id="4" name="Grafik 3">
+          <p:cNvPr id="6" name="Grafik 5">
             <a:extLst>
               <a:ext uri="{FF2B5EF4-FFF2-40B4-BE49-F238E27FC236}">
-                <a16:creationId xmlns:a16="http://schemas.microsoft.com/office/drawing/2014/main" id="{12DC5AD4-F5BD-4689-8EA3-4043E1F56175}"/>
+                <a16:creationId xmlns:a16="http://schemas.microsoft.com/office/drawing/2014/main" id="{644ECD28-6207-47E8-B066-D622D8033A9A}"/>
               </a:ext>
             </a:extLst>
           </p:cNvPr>
@@ -9265,8 +9310,8 @@
         </p:blipFill>
         <p:spPr>
           <a:xfrm>
-            <a:off x="2260795" y="2185321"/>
-            <a:ext cx="6452912" cy="3919451"/>
+            <a:off x="2089785" y="2044929"/>
+            <a:ext cx="6749415" cy="4137625"/>
           </a:xfrm>
           <a:prstGeom prst="rect">
             <a:avLst/>
@@ -9283,43 +9328,6 @@
           </a:effectLst>
         </p:spPr>
       </p:pic>
-      <p:sp>
-        <p:nvSpPr>
-          <p:cNvPr id="8" name="Footer Placeholder 7">
-            <a:extLst>
-              <a:ext uri="{FF2B5EF4-FFF2-40B4-BE49-F238E27FC236}">
-                <a16:creationId xmlns:a16="http://schemas.microsoft.com/office/drawing/2014/main" id="{27877730-AF3F-464D-A23B-5C5CE743BDDB}"/>
-              </a:ext>
-            </a:extLst>
-          </p:cNvPr>
-          <p:cNvSpPr>
-            <a:spLocks noGrp="1"/>
-          </p:cNvSpPr>
-          <p:nvPr>
-            <p:ph type="ftr" sz="quarter" idx="11"/>
-          </p:nvPr>
-        </p:nvSpPr>
-        <p:spPr>
-          <a:xfrm>
-            <a:off x="181557" y="6301312"/>
-            <a:ext cx="6870660" cy="365125"/>
-          </a:xfrm>
-        </p:spPr>
-        <p:txBody>
-          <a:bodyPr/>
-          <a:lstStyle/>
-          <a:p>
-            <a:r>
-              <a:rPr lang="de-AT" dirty="0" err="1"/>
-              <a:t>FVisual</a:t>
-            </a:r>
-            <a:r>
-              <a:rPr lang="de-AT" dirty="0"/>
-              <a:t> - 5AHIF | ASS, DRA, GRF, THC</a:t>
-            </a:r>
-          </a:p>
-        </p:txBody>
-      </p:sp>
     </p:spTree>
     <p:extLst>
       <p:ext uri="{BB962C8B-B14F-4D97-AF65-F5344CB8AC3E}">
@@ -10140,7 +10148,7 @@
             </a:pPr>
             <a:r>
               <a:rPr lang="de-AT" dirty="0"/>
-              <a:t>Visualisierung von Feuerwehreinsätzen in Kärnten</a:t>
+              <a:t>Verwaltung von Feuerwehrstützpunkten, Mitgliedern, Fahrzeuge</a:t>
             </a:r>
           </a:p>
           <a:p>
@@ -10151,7 +10159,7 @@
             </a:pPr>
             <a:r>
               <a:rPr lang="de-AT" dirty="0"/>
-              <a:t>Visualisierung der Stützpunkte</a:t>
+              <a:t>Visualisierung der Feuerwehrstützpunkte</a:t>
             </a:r>
           </a:p>
           <a:p>
@@ -10162,33 +10170,8 @@
             </a:pPr>
             <a:r>
               <a:rPr lang="de-AT" dirty="0"/>
-              <a:t>Verwaltung von Feuerwehrstützpunkten und deren Mitgliedern</a:t>
-            </a:r>
-          </a:p>
-          <a:p>
-            <a:pPr>
-              <a:lnSpc>
-                <a:spcPct val="200000"/>
-              </a:lnSpc>
-            </a:pPr>
-            <a:endParaRPr lang="de-AT" dirty="0"/>
-          </a:p>
-          <a:p>
-            <a:pPr>
-              <a:lnSpc>
-                <a:spcPct val="200000"/>
-              </a:lnSpc>
-            </a:pPr>
-            <a:endParaRPr lang="de-AT" dirty="0"/>
-          </a:p>
-          <a:p>
-            <a:pPr marL="0" indent="0">
-              <a:lnSpc>
-                <a:spcPct val="200000"/>
-              </a:lnSpc>
-              <a:buNone/>
-            </a:pPr>
-            <a:endParaRPr lang="de-AT" dirty="0"/>
+              <a:t>Visualisierung von Feuerwehreinsätze</a:t>
+            </a:r>
           </a:p>
         </p:txBody>
       </p:sp>
@@ -10371,7 +10354,9 @@
         </p:nvSpPr>
         <p:spPr/>
         <p:txBody>
-          <a:bodyPr/>
+          <a:bodyPr>
+            <a:normAutofit/>
+          </a:bodyPr>
           <a:lstStyle/>
           <a:p>
             <a:pPr>
@@ -10381,7 +10366,7 @@
             </a:pPr>
             <a:r>
               <a:rPr lang="de-DE" dirty="0"/>
-              <a:t>Backend (Webservices, Database, etc.): THALER Christoph</a:t>
+              <a:t>JavaFX Applikation(Verwaltung): ASSEK Sandro, GRAF Florian</a:t>
             </a:r>
           </a:p>
           <a:p>
@@ -10403,7 +10388,7 @@
             </a:pPr>
             <a:r>
               <a:rPr lang="de-DE" dirty="0"/>
-              <a:t>JavaFX Applikation(Verwaltung): ASSEK Sandro, GRAF Florian</a:t>
+              <a:t>Backend (Webservices, Database, etc.): THALER Christoph</a:t>
             </a:r>
           </a:p>
           <a:p>
@@ -10613,12 +10598,15 @@
         </p:nvSpPr>
         <p:spPr bwMode="auto">
           <a:xfrm>
-            <a:off x="1311466" y="2135980"/>
+            <a:off x="2662123" y="2219936"/>
             <a:ext cx="1847850" cy="1633538"/>
           </a:xfrm>
           <a:prstGeom prst="flowChartMagneticDisk">
             <a:avLst/>
           </a:prstGeom>
+          <a:solidFill>
+            <a:srgbClr val="E1D64B"/>
+          </a:solidFill>
           <a:ln>
             <a:headEnd/>
             <a:tailEnd/>
@@ -10663,7 +10651,7 @@
               <a:tabLst/>
             </a:pPr>
             <a:r>
-              <a:rPr kumimoji="0" lang="de-DE" altLang="de-DE" sz="2600" b="0" i="0" u="none" strike="noStrike" cap="none" normalizeH="0" baseline="0">
+              <a:rPr kumimoji="0" lang="de-DE" altLang="de-DE" sz="2200" b="0" i="0" u="none" strike="noStrike" cap="none" normalizeH="0" baseline="0" dirty="0">
                 <a:ln>
                   <a:noFill/>
                 </a:ln>
@@ -10675,9 +10663,42 @@
                 <a:ea typeface="Calibri" panose="020F0502020204030204" pitchFamily="34" charset="0"/>
                 <a:cs typeface="Times New Roman" panose="02020603050405020304" pitchFamily="18" charset="0"/>
               </a:rPr>
-              <a:t>Oracle DB</a:t>
-            </a:r>
-            <a:endParaRPr kumimoji="0" lang="de-DE" altLang="de-DE" sz="1800" b="0" i="0" u="none" strike="noStrike" cap="none" normalizeH="0" baseline="0">
+              <a:t>Oracle </a:t>
+            </a:r>
+          </a:p>
+          <a:p>
+            <a:pPr marL="0" marR="0" lvl="0" indent="0" algn="ctr" defTabSz="914400" rtl="0" eaLnBrk="0" fontAlgn="base" latinLnBrk="0" hangingPunct="0">
+              <a:lnSpc>
+                <a:spcPct val="100000"/>
+              </a:lnSpc>
+              <a:spcBef>
+                <a:spcPct val="0"/>
+              </a:spcBef>
+              <a:spcAft>
+                <a:spcPct val="0"/>
+              </a:spcAft>
+              <a:buClrTx/>
+              <a:buSzTx/>
+              <a:buFontTx/>
+              <a:buNone/>
+              <a:tabLst/>
+            </a:pPr>
+            <a:r>
+              <a:rPr kumimoji="0" lang="de-DE" altLang="de-DE" sz="2200" b="0" i="0" u="none" strike="noStrike" cap="none" normalizeH="0" baseline="0" dirty="0">
+                <a:ln>
+                  <a:noFill/>
+                </a:ln>
+                <a:solidFill>
+                  <a:schemeClr val="tx1"/>
+                </a:solidFill>
+                <a:effectLst/>
+                <a:latin typeface="Calibri" panose="020F0502020204030204" pitchFamily="34" charset="0"/>
+                <a:ea typeface="Calibri" panose="020F0502020204030204" pitchFamily="34" charset="0"/>
+                <a:cs typeface="Times New Roman" panose="02020603050405020304" pitchFamily="18" charset="0"/>
+              </a:rPr>
+              <a:t>DATABASE</a:t>
+            </a:r>
+            <a:endParaRPr kumimoji="0" lang="de-DE" altLang="de-DE" sz="2200" b="0" i="0" u="none" strike="noStrike" cap="none" normalizeH="0" baseline="0" dirty="0">
               <a:ln>
                 <a:noFill/>
               </a:ln>
@@ -10706,7 +10727,7 @@
         </p:nvSpPr>
         <p:spPr bwMode="auto">
           <a:xfrm>
-            <a:off x="7178486" y="2156982"/>
+            <a:off x="6750177" y="2169232"/>
             <a:ext cx="1809750" cy="1552575"/>
           </a:xfrm>
           <a:prstGeom prst="cube">
@@ -10714,6 +10735,9 @@
               <a:gd name="adj" fmla="val 25000"/>
             </a:avLst>
           </a:prstGeom>
+          <a:solidFill>
+            <a:srgbClr val="00B050"/>
+          </a:solidFill>
           <a:ln>
             <a:headEnd/>
             <a:tailEnd/>
@@ -10799,8 +10823,8 @@
         </p:nvSpPr>
         <p:spPr>
           <a:xfrm>
-            <a:off x="3269129" y="2791260"/>
-            <a:ext cx="3819525" cy="409575"/>
+            <a:off x="4647990" y="2831917"/>
+            <a:ext cx="1928552" cy="409575"/>
           </a:xfrm>
           <a:prstGeom prst="leftRightArrow">
             <a:avLst/>
@@ -10849,7 +10873,7 @@
         </p:nvSpPr>
         <p:spPr bwMode="auto">
           <a:xfrm>
-            <a:off x="3743478" y="4463794"/>
+            <a:off x="2640212" y="4481524"/>
             <a:ext cx="2143298" cy="1635877"/>
           </a:xfrm>
           <a:prstGeom prst="flowChartInternalStorage">
@@ -10899,7 +10923,7 @@
               <a:tabLst/>
             </a:pPr>
             <a:r>
-              <a:rPr kumimoji="0" lang="de-DE" altLang="de-DE" sz="2200" b="0" i="0" u="none" strike="noStrike" cap="none" normalizeH="0" baseline="0" dirty="0">
+              <a:rPr kumimoji="0" lang="de-DE" altLang="de-DE" sz="2000" b="0" i="0" u="none" strike="noStrike" cap="none" normalizeH="0" baseline="0" dirty="0">
                 <a:ln>
                   <a:noFill/>
                 </a:ln>
@@ -10913,7 +10937,7 @@
               </a:rPr>
               <a:t>JavaFX</a:t>
             </a:r>
-            <a:endParaRPr kumimoji="0" lang="de-DE" altLang="de-DE" sz="500" b="0" i="0" u="none" strike="noStrike" cap="none" normalizeH="0" baseline="0" dirty="0">
+            <a:endParaRPr kumimoji="0" lang="de-DE" altLang="de-DE" sz="2000" b="0" i="0" u="none" strike="noStrike" cap="none" normalizeH="0" baseline="0" dirty="0">
               <a:ln>
                 <a:noFill/>
               </a:ln>
@@ -10941,7 +10965,7 @@
               <a:tabLst/>
             </a:pPr>
             <a:r>
-              <a:rPr kumimoji="0" lang="de-DE" altLang="de-DE" sz="2200" b="0" i="0" u="none" strike="noStrike" cap="none" normalizeH="0" baseline="0" dirty="0">
+              <a:rPr kumimoji="0" lang="de-DE" altLang="de-DE" sz="2000" b="0" i="0" u="none" strike="noStrike" cap="none" normalizeH="0" baseline="0" dirty="0">
                 <a:ln>
                   <a:noFill/>
                 </a:ln>
@@ -10955,7 +10979,7 @@
               </a:rPr>
               <a:t>UI COMPUTER</a:t>
             </a:r>
-            <a:endParaRPr kumimoji="0" lang="de-DE" altLang="de-DE" sz="1800" b="0" i="0" u="none" strike="noStrike" cap="none" normalizeH="0" baseline="0" dirty="0">
+            <a:endParaRPr kumimoji="0" lang="de-DE" altLang="de-DE" sz="2000" b="0" i="0" u="none" strike="noStrike" cap="none" normalizeH="0" baseline="0" dirty="0">
               <a:ln>
                 <a:noFill/>
               </a:ln>
@@ -10984,12 +11008,18 @@
         </p:nvSpPr>
         <p:spPr bwMode="auto">
           <a:xfrm>
-            <a:off x="9944637" y="4480259"/>
-            <a:ext cx="1625514" cy="1849395"/>
+            <a:off x="7036173" y="4481524"/>
+            <a:ext cx="1523754" cy="1723770"/>
           </a:xfrm>
           <a:prstGeom prst="flowChartPredefinedProcess">
             <a:avLst/>
           </a:prstGeom>
+          <a:solidFill>
+            <a:schemeClr val="bg2">
+              <a:lumMod val="60000"/>
+              <a:lumOff val="40000"/>
+            </a:schemeClr>
+          </a:solidFill>
           <a:ln>
             <a:headEnd/>
             <a:tailEnd/>
@@ -11034,7 +11064,7 @@
               <a:tabLst/>
             </a:pPr>
             <a:r>
-              <a:rPr kumimoji="0" lang="de-DE" altLang="de-DE" sz="2000" b="0" i="0" u="none" strike="noStrike" cap="none" normalizeH="0" baseline="0">
+              <a:rPr kumimoji="0" lang="de-DE" altLang="de-DE" b="0" i="0" u="none" strike="noStrike" cap="none" normalizeH="0" baseline="0" dirty="0">
                 <a:ln>
                   <a:noFill/>
                 </a:ln>
@@ -11048,7 +11078,7 @@
               </a:rPr>
               <a:t>Android</a:t>
             </a:r>
-            <a:endParaRPr kumimoji="0" lang="de-DE" altLang="de-DE" sz="500" b="0" i="0" u="none" strike="noStrike" cap="none" normalizeH="0" baseline="0">
+            <a:endParaRPr kumimoji="0" lang="de-DE" altLang="de-DE" b="0" i="0" u="none" strike="noStrike" cap="none" normalizeH="0" baseline="0" dirty="0">
               <a:ln>
                 <a:noFill/>
               </a:ln>
@@ -11076,7 +11106,7 @@
               <a:tabLst/>
             </a:pPr>
             <a:r>
-              <a:rPr kumimoji="0" lang="de-DE" altLang="de-DE" sz="2000" b="0" i="0" u="none" strike="noStrike" cap="none" normalizeH="0" baseline="0">
+              <a:rPr kumimoji="0" lang="de-DE" altLang="de-DE" b="0" i="0" u="none" strike="noStrike" cap="none" normalizeH="0" baseline="0" dirty="0">
                 <a:ln>
                   <a:noFill/>
                 </a:ln>
@@ -11090,7 +11120,7 @@
               </a:rPr>
               <a:t>UI PHONE</a:t>
             </a:r>
-            <a:endParaRPr kumimoji="0" lang="de-DE" altLang="de-DE" sz="1800" b="0" i="0" u="none" strike="noStrike" cap="none" normalizeH="0" baseline="0">
+            <a:endParaRPr kumimoji="0" lang="de-DE" altLang="de-DE" b="0" i="0" u="none" strike="noStrike" cap="none" normalizeH="0" baseline="0" dirty="0">
               <a:ln>
                 <a:noFill/>
               </a:ln>
@@ -11116,9 +11146,9 @@
           <p:nvPr/>
         </p:nvSpPr>
         <p:spPr>
-          <a:xfrm rot="2819283">
-            <a:off x="8642962" y="3825519"/>
-            <a:ext cx="1426419" cy="482600"/>
+          <a:xfrm rot="5400000">
+            <a:off x="7491164" y="3846480"/>
+            <a:ext cx="613771" cy="482600"/>
           </a:xfrm>
           <a:prstGeom prst="stripedRightArrow">
             <a:avLst/>
@@ -11156,7 +11186,7 @@
               </a:spcAft>
             </a:pPr>
             <a:r>
-              <a:rPr lang="de-AT" sz="1100">
+              <a:rPr lang="de-AT" sz="1100" dirty="0">
                 <a:effectLst/>
                 <a:ea typeface="Calibri" panose="020F0502020204030204" pitchFamily="34" charset="0"/>
                 <a:cs typeface="Times New Roman" panose="02020603050405020304" pitchFamily="18" charset="0"/>
@@ -11179,9 +11209,9 @@
           <p:nvPr/>
         </p:nvSpPr>
         <p:spPr>
-          <a:xfrm rot="19149491">
-            <a:off x="5838726" y="4031410"/>
-            <a:ext cx="1426501" cy="384155"/>
+          <a:xfrm rot="19956685">
+            <a:off x="4839337" y="3990559"/>
+            <a:ext cx="1829844" cy="384155"/>
           </a:xfrm>
           <a:prstGeom prst="leftRightArrow">
             <a:avLst/>
